--- a/sample00.pptx
+++ b/sample00.pptx
@@ -107,6 +107,11 @@
       </a:defRPr>
     </a:lvl9pPr>
   </p:defaultTextStyle>
+  <p:extLst>
+    <p:ext uri="{EFAFB233-063F-42B5-8137-9DF3F51BA10A}">
+      <p15:sldGuideLst xmlns:p15="http://schemas.microsoft.com/office/powerpoint/2012/main"/>
+    </p:ext>
+  </p:extLst>
 </p:presentation>
 </file>
 
@@ -166,76 +171,6 @@
       </p:sp>
       <p:sp>
         <p:nvSpPr>
-          <p:cNvPr id="3" name="Subtitle 2">
-            <a:extLst>
-              <a:ext uri="{FF2B5EF4-FFF2-40B4-BE49-F238E27FC236}">
-                <a16:creationId xmlns:a16="http://schemas.microsoft.com/office/drawing/2014/main" id="{06CCF0BA-07D8-7702-E276-C7C0BBA48ABF}"/>
-              </a:ext>
-            </a:extLst>
-          </p:cNvPr>
-          <p:cNvSpPr>
-            <a:spLocks noGrp="1"/>
-          </p:cNvSpPr>
-          <p:nvPr>
-            <p:ph type="subTitle" idx="1"/>
-          </p:nvPr>
-        </p:nvSpPr>
-        <p:spPr>
-          <a:xfrm>
-            <a:off x="1524000" y="5575300"/>
-            <a:ext cx="9144000" cy="584200"/>
-          </a:xfrm>
-        </p:spPr>
-        <p:txBody>
-          <a:bodyPr/>
-          <a:lstStyle>
-            <a:lvl1pPr marL="0" indent="0" algn="ctr">
-              <a:buNone/>
-              <a:defRPr sz="2400"/>
-            </a:lvl1pPr>
-            <a:lvl2pPr marL="457200" indent="0" algn="ctr">
-              <a:buNone/>
-              <a:defRPr sz="2000"/>
-            </a:lvl2pPr>
-            <a:lvl3pPr marL="914400" indent="0" algn="ctr">
-              <a:buNone/>
-              <a:defRPr sz="1800"/>
-            </a:lvl3pPr>
-            <a:lvl4pPr marL="1371600" indent="0" algn="ctr">
-              <a:buNone/>
-              <a:defRPr sz="1600"/>
-            </a:lvl4pPr>
-            <a:lvl5pPr marL="1828800" indent="0" algn="ctr">
-              <a:buNone/>
-              <a:defRPr sz="1600"/>
-            </a:lvl5pPr>
-            <a:lvl6pPr marL="2286000" indent="0" algn="ctr">
-              <a:buNone/>
-              <a:defRPr sz="1600"/>
-            </a:lvl6pPr>
-            <a:lvl7pPr marL="2743200" indent="0" algn="ctr">
-              <a:buNone/>
-              <a:defRPr sz="1600"/>
-            </a:lvl7pPr>
-            <a:lvl8pPr marL="3200400" indent="0" algn="ctr">
-              <a:buNone/>
-              <a:defRPr sz="1600"/>
-            </a:lvl8pPr>
-            <a:lvl9pPr marL="3657600" indent="0" algn="ctr">
-              <a:buNone/>
-              <a:defRPr sz="1600"/>
-            </a:lvl9pPr>
-          </a:lstStyle>
-          <a:p>
-            <a:r>
-              <a:rPr lang="en-US"/>
-              <a:t>Click to edit Master subtitle style</a:t>
-            </a:r>
-          </a:p>
-        </p:txBody>
-      </p:sp>
-      <p:sp>
-        <p:nvSpPr>
           <p:cNvPr id="4" name="Date Placeholder 3">
             <a:extLst>
               <a:ext uri="{FF2B5EF4-FFF2-40B4-BE49-F238E27FC236}">
@@ -319,195 +254,7 @@
       </p:sp>
       <p:sp>
         <p:nvSpPr>
-          <p:cNvPr id="10" name="Freeform 9">
-            <a:extLst>
-              <a:ext uri="{FF2B5EF4-FFF2-40B4-BE49-F238E27FC236}">
-                <a16:creationId xmlns:a16="http://schemas.microsoft.com/office/drawing/2014/main" id="{1830C266-2283-6C03-1274-EFFF31A48FBA}"/>
-              </a:ext>
-            </a:extLst>
-          </p:cNvPr>
-          <p:cNvSpPr>
-            <a:spLocks noGrp="1"/>
-          </p:cNvSpPr>
-          <p:nvPr>
-            <p:ph type="pic" sz="quarter" idx="13"/>
-          </p:nvPr>
-        </p:nvSpPr>
-        <p:spPr>
-          <a:xfrm>
-            <a:off x="660400" y="1724026"/>
-            <a:ext cx="1850884" cy="1539874"/>
-          </a:xfrm>
-          <a:custGeom>
-            <a:avLst/>
-            <a:gdLst>
-              <a:gd name="connsiteX0" fmla="*/ 644525 w 3098800"/>
-              <a:gd name="connsiteY0" fmla="*/ 0 h 2578098"/>
-              <a:gd name="connsiteX1" fmla="*/ 2454275 w 3098800"/>
-              <a:gd name="connsiteY1" fmla="*/ 0 h 2578098"/>
-              <a:gd name="connsiteX2" fmla="*/ 3098800 w 3098800"/>
-              <a:gd name="connsiteY2" fmla="*/ 1289049 h 2578098"/>
-              <a:gd name="connsiteX3" fmla="*/ 2454275 w 3098800"/>
-              <a:gd name="connsiteY3" fmla="*/ 2578098 h 2578098"/>
-              <a:gd name="connsiteX4" fmla="*/ 644525 w 3098800"/>
-              <a:gd name="connsiteY4" fmla="*/ 2578098 h 2578098"/>
-              <a:gd name="connsiteX5" fmla="*/ 0 w 3098800"/>
-              <a:gd name="connsiteY5" fmla="*/ 1289049 h 2578098"/>
-            </a:gdLst>
-            <a:ahLst/>
-            <a:cxnLst>
-              <a:cxn ang="0">
-                <a:pos x="connsiteX0" y="connsiteY0"/>
-              </a:cxn>
-              <a:cxn ang="0">
-                <a:pos x="connsiteX1" y="connsiteY1"/>
-              </a:cxn>
-              <a:cxn ang="0">
-                <a:pos x="connsiteX2" y="connsiteY2"/>
-              </a:cxn>
-              <a:cxn ang="0">
-                <a:pos x="connsiteX3" y="connsiteY3"/>
-              </a:cxn>
-              <a:cxn ang="0">
-                <a:pos x="connsiteX4" y="connsiteY4"/>
-              </a:cxn>
-              <a:cxn ang="0">
-                <a:pos x="connsiteX5" y="connsiteY5"/>
-              </a:cxn>
-            </a:cxnLst>
-            <a:rect l="l" t="t" r="r" b="b"/>
-            <a:pathLst>
-              <a:path w="3098800" h="2578098">
-                <a:moveTo>
-                  <a:pt x="644525" y="0"/>
-                </a:moveTo>
-                <a:lnTo>
-                  <a:pt x="2454275" y="0"/>
-                </a:lnTo>
-                <a:lnTo>
-                  <a:pt x="3098800" y="1289049"/>
-                </a:lnTo>
-                <a:lnTo>
-                  <a:pt x="2454275" y="2578098"/>
-                </a:lnTo>
-                <a:lnTo>
-                  <a:pt x="644525" y="2578098"/>
-                </a:lnTo>
-                <a:lnTo>
-                  <a:pt x="0" y="1289049"/>
-                </a:lnTo>
-                <a:close/>
-              </a:path>
-            </a:pathLst>
-          </a:custGeom>
-        </p:spPr>
-        <p:txBody>
-          <a:bodyPr wrap="square">
-            <a:noAutofit/>
-          </a:bodyPr>
-          <a:lstStyle/>
-          <a:p>
-            <a:endParaRPr lang="en-US"/>
-          </a:p>
-        </p:txBody>
-      </p:sp>
-      <p:sp>
-        <p:nvSpPr>
-          <p:cNvPr id="11" name="Freeform 10">
-            <a:extLst>
-              <a:ext uri="{FF2B5EF4-FFF2-40B4-BE49-F238E27FC236}">
-                <a16:creationId xmlns:a16="http://schemas.microsoft.com/office/drawing/2014/main" id="{4D155356-309D-5256-3D96-252F6C01A06F}"/>
-              </a:ext>
-            </a:extLst>
-          </p:cNvPr>
-          <p:cNvSpPr>
-            <a:spLocks noGrp="1"/>
-          </p:cNvSpPr>
-          <p:nvPr>
-            <p:ph type="pic" sz="quarter" idx="14"/>
-          </p:nvPr>
-        </p:nvSpPr>
-        <p:spPr>
-          <a:xfrm>
-            <a:off x="2187716" y="2522540"/>
-            <a:ext cx="1850884" cy="1539874"/>
-          </a:xfrm>
-          <a:custGeom>
-            <a:avLst/>
-            <a:gdLst>
-              <a:gd name="connsiteX0" fmla="*/ 644525 w 3098800"/>
-              <a:gd name="connsiteY0" fmla="*/ 0 h 2578098"/>
-              <a:gd name="connsiteX1" fmla="*/ 2454275 w 3098800"/>
-              <a:gd name="connsiteY1" fmla="*/ 0 h 2578098"/>
-              <a:gd name="connsiteX2" fmla="*/ 3098800 w 3098800"/>
-              <a:gd name="connsiteY2" fmla="*/ 1289049 h 2578098"/>
-              <a:gd name="connsiteX3" fmla="*/ 2454275 w 3098800"/>
-              <a:gd name="connsiteY3" fmla="*/ 2578098 h 2578098"/>
-              <a:gd name="connsiteX4" fmla="*/ 644525 w 3098800"/>
-              <a:gd name="connsiteY4" fmla="*/ 2578098 h 2578098"/>
-              <a:gd name="connsiteX5" fmla="*/ 0 w 3098800"/>
-              <a:gd name="connsiteY5" fmla="*/ 1289049 h 2578098"/>
-            </a:gdLst>
-            <a:ahLst/>
-            <a:cxnLst>
-              <a:cxn ang="0">
-                <a:pos x="connsiteX0" y="connsiteY0"/>
-              </a:cxn>
-              <a:cxn ang="0">
-                <a:pos x="connsiteX1" y="connsiteY1"/>
-              </a:cxn>
-              <a:cxn ang="0">
-                <a:pos x="connsiteX2" y="connsiteY2"/>
-              </a:cxn>
-              <a:cxn ang="0">
-                <a:pos x="connsiteX3" y="connsiteY3"/>
-              </a:cxn>
-              <a:cxn ang="0">
-                <a:pos x="connsiteX4" y="connsiteY4"/>
-              </a:cxn>
-              <a:cxn ang="0">
-                <a:pos x="connsiteX5" y="connsiteY5"/>
-              </a:cxn>
-            </a:cxnLst>
-            <a:rect l="l" t="t" r="r" b="b"/>
-            <a:pathLst>
-              <a:path w="3098800" h="2578098">
-                <a:moveTo>
-                  <a:pt x="644525" y="0"/>
-                </a:moveTo>
-                <a:lnTo>
-                  <a:pt x="2454275" y="0"/>
-                </a:lnTo>
-                <a:lnTo>
-                  <a:pt x="3098800" y="1289049"/>
-                </a:lnTo>
-                <a:lnTo>
-                  <a:pt x="2454275" y="2578098"/>
-                </a:lnTo>
-                <a:lnTo>
-                  <a:pt x="644525" y="2578098"/>
-                </a:lnTo>
-                <a:lnTo>
-                  <a:pt x="0" y="1289049"/>
-                </a:lnTo>
-                <a:close/>
-              </a:path>
-            </a:pathLst>
-          </a:custGeom>
-        </p:spPr>
-        <p:txBody>
-          <a:bodyPr wrap="square">
-            <a:noAutofit/>
-          </a:bodyPr>
-          <a:lstStyle/>
-          <a:p>
-            <a:endParaRPr lang="en-US"/>
-          </a:p>
-        </p:txBody>
-      </p:sp>
-      <p:sp>
-        <p:nvSpPr>
-          <p:cNvPr id="12" name="Freeform 11">
+          <p:cNvPr id="12" name="Picture Placeholder 11">
             <a:extLst>
               <a:ext uri="{FF2B5EF4-FFF2-40B4-BE49-F238E27FC236}">
                 <a16:creationId xmlns:a16="http://schemas.microsoft.com/office/drawing/2014/main" id="{1FA0F800-25A6-70E1-B267-A2B15E4B6AB7}"/>
@@ -614,6 +361,256 @@
 
 <file path=ppt/slideLayouts/slideLayout2.xml><?xml version="1.0" encoding="utf-8"?>
 <p:sldLayout xmlns:a="http://schemas.openxmlformats.org/drawingml/2006/main" xmlns:r="http://schemas.openxmlformats.org/officeDocument/2006/relationships" xmlns:p="http://schemas.openxmlformats.org/presentationml/2006/main" preserve="1" userDrawn="1">
+  <p:cSld name="1_left honeycomb pics">
+    <p:spTree>
+      <p:nvGrpSpPr>
+        <p:cNvPr id="1" name=""/>
+        <p:cNvGrpSpPr/>
+        <p:nvPr/>
+      </p:nvGrpSpPr>
+      <p:grpSpPr>
+        <a:xfrm>
+          <a:off x="0" y="0"/>
+          <a:ext cx="0" cy="0"/>
+          <a:chOff x="0" y="0"/>
+          <a:chExt cx="0" cy="0"/>
+        </a:xfrm>
+      </p:grpSpPr>
+      <p:sp>
+        <p:nvSpPr>
+          <p:cNvPr id="2" name="Title 1">
+            <a:extLst>
+              <a:ext uri="{FF2B5EF4-FFF2-40B4-BE49-F238E27FC236}">
+                <a16:creationId xmlns:a16="http://schemas.microsoft.com/office/drawing/2014/main" id="{DEC04C04-D393-6BF4-E31D-B96D19935371}"/>
+              </a:ext>
+            </a:extLst>
+          </p:cNvPr>
+          <p:cNvSpPr>
+            <a:spLocks noGrp="1"/>
+          </p:cNvSpPr>
+          <p:nvPr>
+            <p:ph type="ctrTitle"/>
+          </p:nvPr>
+        </p:nvSpPr>
+        <p:spPr>
+          <a:xfrm>
+            <a:off x="165100" y="165100"/>
+            <a:ext cx="12026900" cy="1066800"/>
+          </a:xfrm>
+        </p:spPr>
+        <p:txBody>
+          <a:bodyPr anchor="b"/>
+          <a:lstStyle>
+            <a:lvl1pPr algn="ctr">
+              <a:defRPr sz="6000"/>
+            </a:lvl1pPr>
+          </a:lstStyle>
+          <a:p>
+            <a:r>
+              <a:rPr lang="en-US"/>
+              <a:t>Click to edit Master title style</a:t>
+            </a:r>
+          </a:p>
+        </p:txBody>
+      </p:sp>
+      <p:sp>
+        <p:nvSpPr>
+          <p:cNvPr id="3" name="Subtitle 2">
+            <a:extLst>
+              <a:ext uri="{FF2B5EF4-FFF2-40B4-BE49-F238E27FC236}">
+                <a16:creationId xmlns:a16="http://schemas.microsoft.com/office/drawing/2014/main" id="{06CCF0BA-07D8-7702-E276-C7C0BBA48ABF}"/>
+              </a:ext>
+            </a:extLst>
+          </p:cNvPr>
+          <p:cNvSpPr>
+            <a:spLocks noGrp="1"/>
+          </p:cNvSpPr>
+          <p:nvPr>
+            <p:ph type="subTitle" idx="1"/>
+          </p:nvPr>
+        </p:nvSpPr>
+        <p:spPr>
+          <a:xfrm>
+            <a:off x="1524000" y="5575300"/>
+            <a:ext cx="9144000" cy="584200"/>
+          </a:xfrm>
+        </p:spPr>
+        <p:txBody>
+          <a:bodyPr/>
+          <a:lstStyle>
+            <a:lvl1pPr marL="0" indent="0" algn="ctr">
+              <a:buNone/>
+              <a:defRPr sz="2400"/>
+            </a:lvl1pPr>
+            <a:lvl2pPr marL="457200" indent="0" algn="ctr">
+              <a:buNone/>
+              <a:defRPr sz="2000"/>
+            </a:lvl2pPr>
+            <a:lvl3pPr marL="914400" indent="0" algn="ctr">
+              <a:buNone/>
+              <a:defRPr sz="1800"/>
+            </a:lvl3pPr>
+            <a:lvl4pPr marL="1371600" indent="0" algn="ctr">
+              <a:buNone/>
+              <a:defRPr sz="1600"/>
+            </a:lvl4pPr>
+            <a:lvl5pPr marL="1828800" indent="0" algn="ctr">
+              <a:buNone/>
+              <a:defRPr sz="1600"/>
+            </a:lvl5pPr>
+            <a:lvl6pPr marL="2286000" indent="0" algn="ctr">
+              <a:buNone/>
+              <a:defRPr sz="1600"/>
+            </a:lvl6pPr>
+            <a:lvl7pPr marL="2743200" indent="0" algn="ctr">
+              <a:buNone/>
+              <a:defRPr sz="1600"/>
+            </a:lvl7pPr>
+            <a:lvl8pPr marL="3200400" indent="0" algn="ctr">
+              <a:buNone/>
+              <a:defRPr sz="1600"/>
+            </a:lvl8pPr>
+            <a:lvl9pPr marL="3657600" indent="0" algn="ctr">
+              <a:buNone/>
+              <a:defRPr sz="1600"/>
+            </a:lvl9pPr>
+          </a:lstStyle>
+          <a:p>
+            <a:r>
+              <a:rPr lang="en-US"/>
+              <a:t>Click to edit Master subtitle style</a:t>
+            </a:r>
+          </a:p>
+        </p:txBody>
+      </p:sp>
+      <p:sp>
+        <p:nvSpPr>
+          <p:cNvPr id="4" name="Date Placeholder 3">
+            <a:extLst>
+              <a:ext uri="{FF2B5EF4-FFF2-40B4-BE49-F238E27FC236}">
+                <a16:creationId xmlns:a16="http://schemas.microsoft.com/office/drawing/2014/main" id="{00C677B8-A747-D7FF-BD34-14A1EBA5DCD2}"/>
+              </a:ext>
+            </a:extLst>
+          </p:cNvPr>
+          <p:cNvSpPr>
+            <a:spLocks noGrp="1"/>
+          </p:cNvSpPr>
+          <p:nvPr>
+            <p:ph type="dt" sz="half" idx="10"/>
+          </p:nvPr>
+        </p:nvSpPr>
+        <p:spPr/>
+        <p:txBody>
+          <a:bodyPr/>
+          <a:lstStyle/>
+          <a:p>
+            <a:fld id="{54D3F947-B6A6-0446-9085-5061921526EE}" type="datetimeFigureOut">
+              <a:rPr lang="en-US" smtClean="0"/>
+              <a:t>4/6/23</a:t>
+            </a:fld>
+            <a:endParaRPr lang="en-US"/>
+          </a:p>
+        </p:txBody>
+      </p:sp>
+      <p:sp>
+        <p:nvSpPr>
+          <p:cNvPr id="5" name="Footer Placeholder 4">
+            <a:extLst>
+              <a:ext uri="{FF2B5EF4-FFF2-40B4-BE49-F238E27FC236}">
+                <a16:creationId xmlns:a16="http://schemas.microsoft.com/office/drawing/2014/main" id="{EBE943CD-79FC-E490-2433-99EE4F2B594C}"/>
+              </a:ext>
+            </a:extLst>
+          </p:cNvPr>
+          <p:cNvSpPr>
+            <a:spLocks noGrp="1"/>
+          </p:cNvSpPr>
+          <p:nvPr>
+            <p:ph type="ftr" sz="quarter" idx="11"/>
+          </p:nvPr>
+        </p:nvSpPr>
+        <p:spPr/>
+        <p:txBody>
+          <a:bodyPr/>
+          <a:lstStyle/>
+          <a:p>
+            <a:endParaRPr lang="en-US"/>
+          </a:p>
+        </p:txBody>
+      </p:sp>
+      <p:sp>
+        <p:nvSpPr>
+          <p:cNvPr id="6" name="Slide Number Placeholder 5">
+            <a:extLst>
+              <a:ext uri="{FF2B5EF4-FFF2-40B4-BE49-F238E27FC236}">
+                <a16:creationId xmlns:a16="http://schemas.microsoft.com/office/drawing/2014/main" id="{08295039-8351-723E-835E-EA899A104B05}"/>
+              </a:ext>
+            </a:extLst>
+          </p:cNvPr>
+          <p:cNvSpPr>
+            <a:spLocks noGrp="1"/>
+          </p:cNvSpPr>
+          <p:nvPr>
+            <p:ph type="sldNum" sz="quarter" idx="12"/>
+          </p:nvPr>
+        </p:nvSpPr>
+        <p:spPr/>
+        <p:txBody>
+          <a:bodyPr/>
+          <a:lstStyle/>
+          <a:p>
+            <a:fld id="{8DB2F027-D31F-A84D-A160-7F791FF7D575}" type="slidenum">
+              <a:rPr lang="en-US" smtClean="0"/>
+              <a:t>‹#›</a:t>
+            </a:fld>
+            <a:endParaRPr lang="en-US"/>
+          </a:p>
+        </p:txBody>
+      </p:sp>
+      <p:sp>
+        <p:nvSpPr>
+          <p:cNvPr id="9" name="Chart Placeholder 8">
+            <a:extLst>
+              <a:ext uri="{FF2B5EF4-FFF2-40B4-BE49-F238E27FC236}">
+                <a16:creationId xmlns:a16="http://schemas.microsoft.com/office/drawing/2014/main" id="{6DF9535D-695E-1824-37F7-B8D5FF0502DC}"/>
+              </a:ext>
+            </a:extLst>
+          </p:cNvPr>
+          <p:cNvSpPr>
+            <a:spLocks noGrp="1"/>
+          </p:cNvSpPr>
+          <p:nvPr>
+            <p:ph type="chart" sz="quarter" idx="17"/>
+          </p:nvPr>
+        </p:nvSpPr>
+        <p:spPr>
+          <a:xfrm>
+            <a:off x="5684838" y="1908175"/>
+            <a:ext cx="3240087" cy="3240088"/>
+          </a:xfrm>
+        </p:spPr>
+        <p:txBody>
+          <a:bodyPr/>
+          <a:lstStyle/>
+          <a:p>
+            <a:endParaRPr lang="en-US"/>
+          </a:p>
+        </p:txBody>
+      </p:sp>
+    </p:spTree>
+    <p:extLst>
+      <p:ext uri="{BB962C8B-B14F-4D97-AF65-F5344CB8AC3E}">
+        <p14:creationId xmlns:p14="http://schemas.microsoft.com/office/powerpoint/2010/main" val="2139650421"/>
+      </p:ext>
+    </p:extLst>
+  </p:cSld>
+  <p:clrMapOvr>
+    <a:masterClrMapping/>
+  </p:clrMapOvr>
+</p:sldLayout>
+</file>
+
+<file path=ppt/slideLayouts/slideLayout3.xml><?xml version="1.0" encoding="utf-8"?>
+<p:sldLayout xmlns:a="http://schemas.openxmlformats.org/drawingml/2006/main" xmlns:r="http://schemas.openxmlformats.org/officeDocument/2006/relationships" xmlns:p="http://schemas.openxmlformats.org/presentationml/2006/main" preserve="1" userDrawn="1">
   <p:cSld name="3 pic layout">
     <p:spTree>
       <p:nvGrpSpPr>
@@ -1117,7 +1114,8 @@
   <p:clrMap bg1="lt1" tx1="dk1" bg2="lt2" tx2="dk2" accent1="accent1" accent2="accent2" accent3="accent3" accent4="accent4" accent5="accent5" accent6="accent6" hlink="hlink" folHlink="folHlink"/>
   <p:sldLayoutIdLst>
     <p:sldLayoutId id="2147483649" r:id="rId1"/>
-    <p:sldLayoutId id="2147483686" r:id="rId2"/>
+    <p:sldLayoutId id="2147483687" r:id="rId2"/>
+    <p:sldLayoutId id="2147483686" r:id="rId3"/>
   </p:sldLayoutIdLst>
   <p:txStyles>
     <p:titleStyle>
@@ -1457,10 +1455,15 @@
             <a:spLocks noGrp="1"/>
           </p:cNvSpPr>
           <p:nvPr>
-            <p:ph type="subTitle" idx="1"/>
-          </p:nvPr>
-        </p:nvSpPr>
-        <p:spPr/>
+            <p:ph type="subTitle" idx="4294967295"/>
+          </p:nvPr>
+        </p:nvSpPr>
+        <p:spPr>
+          <a:xfrm>
+            <a:off x="1524000" y="5575300"/>
+            <a:ext cx="9144000" cy="584200"/>
+          </a:xfrm>
+        </p:spPr>
         <p:txBody>
           <a:bodyPr/>
           <a:lstStyle/>
@@ -1646,10 +1649,15 @@
             <a:spLocks noGrp="1"/>
           </p:cNvSpPr>
           <p:nvPr>
-            <p:ph type="subTitle" idx="1"/>
-          </p:nvPr>
-        </p:nvSpPr>
-        <p:spPr/>
+            <p:ph type="subTitle" idx="4294967295"/>
+          </p:nvPr>
+        </p:nvSpPr>
+        <p:spPr>
+          <a:xfrm>
+            <a:off x="1524000" y="5575300"/>
+            <a:ext cx="9144000" cy="584200"/>
+          </a:xfrm>
+        </p:spPr>
         <p:txBody>
           <a:bodyPr/>
           <a:lstStyle/>
@@ -1671,10 +1679,15 @@
             <a:spLocks noGrp="1"/>
           </p:cNvSpPr>
           <p:nvPr>
-            <p:ph type="pic" sz="quarter" idx="13"/>
-          </p:nvPr>
-        </p:nvSpPr>
-        <p:spPr/>
+            <p:ph type="pic" sz="quarter" idx="4294967295"/>
+          </p:nvPr>
+        </p:nvSpPr>
+        <p:spPr>
+          <a:xfrm>
+            <a:off x="660400" y="1724026"/>
+            <a:ext cx="1850884" cy="1539874"/>
+          </a:xfrm>
+        </p:spPr>
       </p:sp>
       <p:sp>
         <p:nvSpPr>
@@ -1689,10 +1702,15 @@
             <a:spLocks noGrp="1"/>
           </p:cNvSpPr>
           <p:nvPr>
-            <p:ph type="pic" sz="quarter" idx="14"/>
-          </p:nvPr>
-        </p:nvSpPr>
-        <p:spPr/>
+            <p:ph type="pic" sz="quarter" idx="4294967295"/>
+          </p:nvPr>
+        </p:nvSpPr>
+        <p:spPr>
+          <a:xfrm>
+            <a:off x="2187716" y="2522540"/>
+            <a:ext cx="1850884" cy="1539874"/>
+          </a:xfrm>
+        </p:spPr>
       </p:sp>
       <p:sp>
         <p:nvSpPr>
@@ -1749,57 +1767,16 @@
         <p:txBody>
           <a:bodyPr/>
           <a:lstStyle/>
-          <a:p/>
-        </p:txBody>
-      </p:sp>
-      <p:sp>
-        <p:nvSpPr>
-          <p:cNvPr id="3" name="Subtitle 2"/>
-          <p:cNvSpPr>
-            <a:spLocks noGrp="1"/>
-          </p:cNvSpPr>
-          <p:nvPr>
-            <p:ph type="subTitle" idx="1"/>
-          </p:nvPr>
-        </p:nvSpPr>
-        <p:spPr/>
-        <p:txBody>
-          <a:bodyPr/>
-          <a:lstStyle/>
           <a:p>
             <a:r>
-              <a:t>Coffee beans carefully selected</a:t>
+              <a:t>More to prepare</a:t>
             </a:r>
           </a:p>
         </p:txBody>
       </p:sp>
       <p:sp>
         <p:nvSpPr>
-          <p:cNvPr id="4" name="Picture Placeholder 3"/>
-          <p:cNvSpPr>
-            <a:spLocks noGrp="1"/>
-          </p:cNvSpPr>
-          <p:nvPr>
-            <p:ph type="pic" idx="13" sz="quarter"/>
-          </p:nvPr>
-        </p:nvSpPr>
-        <p:spPr/>
-      </p:sp>
-      <p:sp>
-        <p:nvSpPr>
-          <p:cNvPr id="5" name="Picture Placeholder 4"/>
-          <p:cNvSpPr>
-            <a:spLocks noGrp="1"/>
-          </p:cNvSpPr>
-          <p:nvPr>
-            <p:ph type="pic" idx="14" sz="quarter"/>
-          </p:nvPr>
-        </p:nvSpPr>
-        <p:spPr/>
-      </p:sp>
-      <p:sp>
-        <p:nvSpPr>
-          <p:cNvPr id="6" name="Picture Placeholder 5"/>
+          <p:cNvPr id="3" name="Picture Placeholder 2"/>
           <p:cNvSpPr>
             <a:spLocks noGrp="1"/>
           </p:cNvSpPr>
